--- a/Project 3/Slides/Good or Bad Loans.pptx
+++ b/Project 3/Slides/Good or Bad Loans.pptx
@@ -4810,7 +4810,7 @@
                   <a:schemeClr val="bg1"/>
                 </a:solidFill>
               </a:rPr>
-              <a:t>	$858/case</a:t>
+              <a:t>	$1082/case</a:t>
             </a:r>
           </a:p>
           <a:p>
@@ -4820,7 +4820,23 @@
                   <a:schemeClr val="bg1"/>
                 </a:solidFill>
               </a:rPr>
-              <a:t>	$20M annually</a:t>
+              <a:t>	</a:t>
+            </a:r>
+            <a:r>
+              <a:rPr lang="en-US" sz="2400">
+                <a:solidFill>
+                  <a:schemeClr val="bg1"/>
+                </a:solidFill>
+              </a:rPr>
+              <a:t>$24M </a:t>
+            </a:r>
+            <a:r>
+              <a:rPr lang="en-US" sz="2400" dirty="0">
+                <a:solidFill>
+                  <a:schemeClr val="bg1"/>
+                </a:solidFill>
+              </a:rPr>
+              <a:t>annually</a:t>
             </a:r>
           </a:p>
           <a:p>

--- a/Project 3/Slides/Good or Bad Loans.pptx
+++ b/Project 3/Slides/Good or Bad Loans.pptx
@@ -5,7 +5,7 @@
     <p:sldMasterId id="2147483648" r:id="rId1"/>
   </p:sldMasterIdLst>
   <p:notesMasterIdLst>
-    <p:notesMasterId r:id="rId11"/>
+    <p:notesMasterId r:id="rId12"/>
   </p:notesMasterIdLst>
   <p:sldIdLst>
     <p:sldId id="256" r:id="rId2"/>
@@ -17,6 +17,7 @@
     <p:sldId id="262" r:id="rId8"/>
     <p:sldId id="263" r:id="rId9"/>
     <p:sldId id="264" r:id="rId10"/>
+    <p:sldId id="272" r:id="rId11"/>
   </p:sldIdLst>
   <p:sldSz cx="9144000" cy="6858000" type="screen4x3"/>
   <p:notesSz cx="6858000" cy="9144000"/>
@@ -140,20 +141,6 @@
 </p:cmAuthorLst>
 </file>
 
-<file path=ppt/comments/comment1.xml><?xml version="1.0" encoding="utf-8"?>
-<p:cmLst xmlns:a="http://schemas.openxmlformats.org/drawingml/2006/main" xmlns:r="http://schemas.openxmlformats.org/officeDocument/2006/relationships" xmlns:p="http://schemas.openxmlformats.org/presentationml/2006/main">
-  <p:cm authorId="1" dt="2018-10-31T00:21:54.877" idx="1">
-    <p:pos x="10" y="10"/>
-    <p:text/>
-    <p:extLst>
-      <p:ext uri="{C676402C-5697-4E1C-873F-D02D1690AC5C}">
-        <p15:threadingInfo xmlns:p15="http://schemas.microsoft.com/office/powerpoint/2012/main" timeZoneBias="420"/>
-      </p:ext>
-    </p:extLst>
-  </p:cm>
-</p:cmLst>
-</file>
-
 <file path=ppt/notesMasters/notesMaster1.xml><?xml version="1.0" encoding="utf-8"?>
 <p:notesMaster xmlns:a="http://schemas.openxmlformats.org/drawingml/2006/main" xmlns:r="http://schemas.openxmlformats.org/officeDocument/2006/relationships" xmlns:p="http://schemas.openxmlformats.org/presentationml/2006/main">
   <p:cSld>
@@ -237,7 +224,7 @@
             <a:fld id="{925A17EF-115B-4BB9-BF42-426DFD9E898A}" type="datetimeFigureOut">
               <a:rPr lang="en-US" smtClean="0"/>
               <a:pPr/>
-              <a:t>10/30/18</a:t>
+              <a:t>10/31/18</a:t>
             </a:fld>
             <a:endParaRPr lang="en-US"/>
           </a:p>
@@ -584,6 +571,93 @@
 </p:notes>
 </file>
 
+<file path=ppt/notesSlides/notesSlide10.xml><?xml version="1.0" encoding="utf-8"?>
+<p:notes xmlns:a="http://schemas.openxmlformats.org/drawingml/2006/main" xmlns:r="http://schemas.openxmlformats.org/officeDocument/2006/relationships" xmlns:p="http://schemas.openxmlformats.org/presentationml/2006/main">
+  <p:cSld>
+    <p:spTree>
+      <p:nvGrpSpPr>
+        <p:cNvPr id="1" name=""/>
+        <p:cNvGrpSpPr/>
+        <p:nvPr/>
+      </p:nvGrpSpPr>
+      <p:grpSpPr>
+        <a:xfrm>
+          <a:off x="0" y="0"/>
+          <a:ext cx="0" cy="0"/>
+          <a:chOff x="0" y="0"/>
+          <a:chExt cx="0" cy="0"/>
+        </a:xfrm>
+      </p:grpSpPr>
+      <p:sp>
+        <p:nvSpPr>
+          <p:cNvPr id="2" name="Slide Image Placeholder 1"/>
+          <p:cNvSpPr>
+            <a:spLocks noGrp="1" noRot="1" noChangeAspect="1"/>
+          </p:cNvSpPr>
+          <p:nvPr>
+            <p:ph type="sldImg"/>
+          </p:nvPr>
+        </p:nvSpPr>
+        <p:spPr/>
+      </p:sp>
+      <p:sp>
+        <p:nvSpPr>
+          <p:cNvPr id="3" name="Notes Placeholder 2"/>
+          <p:cNvSpPr>
+            <a:spLocks noGrp="1"/>
+          </p:cNvSpPr>
+          <p:nvPr>
+            <p:ph type="body" idx="1"/>
+          </p:nvPr>
+        </p:nvSpPr>
+        <p:spPr/>
+        <p:txBody>
+          <a:bodyPr>
+            <a:normAutofit/>
+          </a:bodyPr>
+          <a:lstStyle/>
+          <a:p>
+            <a:endParaRPr lang="en-US"/>
+          </a:p>
+        </p:txBody>
+      </p:sp>
+      <p:sp>
+        <p:nvSpPr>
+          <p:cNvPr id="4" name="Slide Number Placeholder 3"/>
+          <p:cNvSpPr>
+            <a:spLocks noGrp="1"/>
+          </p:cNvSpPr>
+          <p:nvPr>
+            <p:ph type="sldNum" sz="quarter" idx="10"/>
+          </p:nvPr>
+        </p:nvSpPr>
+        <p:spPr/>
+        <p:txBody>
+          <a:bodyPr/>
+          <a:lstStyle/>
+          <a:p>
+            <a:fld id="{7C4E7652-46AF-4259-BAE2-54978EA077CD}" type="slidenum">
+              <a:rPr lang="en-US" smtClean="0"/>
+              <a:pPr/>
+              <a:t>10</a:t>
+            </a:fld>
+            <a:endParaRPr lang="en-US"/>
+          </a:p>
+        </p:txBody>
+      </p:sp>
+    </p:spTree>
+    <p:extLst>
+      <p:ext uri="{BB962C8B-B14F-4D97-AF65-F5344CB8AC3E}">
+        <p14:creationId xmlns:p14="http://schemas.microsoft.com/office/powerpoint/2010/main" val="1127610791"/>
+      </p:ext>
+    </p:extLst>
+  </p:cSld>
+  <p:clrMapOvr>
+    <a:masterClrMapping/>
+  </p:clrMapOvr>
+</p:notes>
+</file>
+
 <file path=ppt/notesSlides/notesSlide2.xml><?xml version="1.0" encoding="utf-8"?>
 <p:notes xmlns:a="http://schemas.openxmlformats.org/drawingml/2006/main" xmlns:r="http://schemas.openxmlformats.org/officeDocument/2006/relationships" xmlns:p="http://schemas.openxmlformats.org/presentationml/2006/main">
   <p:cSld>
@@ -897,7 +971,7 @@
           <a:p>
             <a:r>
               <a:rPr lang="en-US" dirty="0"/>
-              <a:t>To get a better idea of how precision and recall varies with different cutoffs, I plot precision vs. recall plot to see the pattern. As shown in the figure, I have to sacrifice either one metric to improve the other one a lot. </a:t>
+              <a:t>This graph shows how expected loss varies with different cutoffs. Then we can see somewhere around 0.4 we reach the minimal cost. After applying true positive gains, it comes out a potential $858 loss per client will be prevented, which sums to $20M savings annually.</a:t>
             </a:r>
           </a:p>
         </p:txBody>
@@ -987,13 +1061,7 @@
           <a:p>
             <a:r>
               <a:rPr lang="en-US" dirty="0"/>
-              <a:t>Credit score level, recoveries play great roles in loan quality prediction. Thus, policy maker should focus on those area to mitigate risks of customer negative behaviors. </a:t>
-            </a:r>
-          </a:p>
-          <a:p>
-            <a:r>
-              <a:rPr lang="en-US" dirty="0"/>
-              <a:t>For example, higher installment should be set up for clients with higher recoveries and lower credit scores.</a:t>
+              <a:t>Feature importance analysis will give bank policy maker some insights to make robust policies. Credit score level, recoveries play great roles in loan quality prediction. Thus, policy maker should focus on those area to mitigate risks of customer negative behaviors. For example, higher installment should be set up for clients with higher recoveries and lower credit scores.</a:t>
             </a:r>
           </a:p>
         </p:txBody>
@@ -1081,7 +1149,7 @@
           </a:bodyPr>
           <a:lstStyle/>
           <a:p>
-            <a:endParaRPr lang="en-US"/>
+            <a:endParaRPr lang="en-US" dirty="0"/>
           </a:p>
         </p:txBody>
       </p:sp>
@@ -1637,7 +1705,7 @@
             <a:fld id="{A2E209FB-7A34-414B-812A-BCC5C4256F49}" type="datetime1">
               <a:rPr lang="en-US" smtClean="0"/>
               <a:pPr algn="r"/>
-              <a:t>10/30/18</a:t>
+              <a:t>10/31/18</a:t>
             </a:fld>
             <a:endParaRPr lang="en-US" sz="1000" dirty="0"/>
           </a:p>
@@ -3433,6 +3501,202 @@
 </p:sld>
 </file>
 
+<file path=ppt/slides/slide10.xml><?xml version="1.0" encoding="utf-8"?>
+<p:sld xmlns:a="http://schemas.openxmlformats.org/drawingml/2006/main" xmlns:r="http://schemas.openxmlformats.org/officeDocument/2006/relationships" xmlns:p="http://schemas.openxmlformats.org/presentationml/2006/main">
+  <p:cSld>
+    <p:spTree>
+      <p:nvGrpSpPr>
+        <p:cNvPr id="1" name=""/>
+        <p:cNvGrpSpPr/>
+        <p:nvPr/>
+      </p:nvGrpSpPr>
+      <p:grpSpPr>
+        <a:xfrm>
+          <a:off x="0" y="0"/>
+          <a:ext cx="0" cy="0"/>
+          <a:chOff x="0" y="0"/>
+          <a:chExt cx="0" cy="0"/>
+        </a:xfrm>
+      </p:grpSpPr>
+      <p:sp>
+        <p:nvSpPr>
+          <p:cNvPr id="2" name="Rectangle 1"/>
+          <p:cNvSpPr>
+            <a:spLocks noGrp="1"/>
+          </p:cNvSpPr>
+          <p:nvPr>
+            <p:ph type="title"/>
+          </p:nvPr>
+        </p:nvSpPr>
+        <p:spPr>
+          <a:xfrm>
+            <a:off x="457200" y="351838"/>
+            <a:ext cx="4876800" cy="799306"/>
+          </a:xfrm>
+        </p:spPr>
+        <p:txBody>
+          <a:bodyPr/>
+          <a:lstStyle/>
+          <a:p>
+            <a:r>
+              <a:rPr lang="en-US" dirty="0"/>
+              <a:t>Appendix</a:t>
+            </a:r>
+          </a:p>
+        </p:txBody>
+      </p:sp>
+      <p:pic>
+        <p:nvPicPr>
+          <p:cNvPr id="6" name="Content Placeholder 5">
+            <a:extLst>
+              <a:ext uri="{FF2B5EF4-FFF2-40B4-BE49-F238E27FC236}">
+                <a16:creationId xmlns:a16="http://schemas.microsoft.com/office/drawing/2014/main" id="{F75CCC3A-1B4F-0441-B1D2-AF76ED690BFC}"/>
+              </a:ext>
+            </a:extLst>
+          </p:cNvPr>
+          <p:cNvPicPr>
+            <a:picLocks noGrp="1" noChangeAspect="1"/>
+          </p:cNvPicPr>
+          <p:nvPr>
+            <p:ph idx="1"/>
+          </p:nvPr>
+        </p:nvPicPr>
+        <p:blipFill>
+          <a:blip r:embed="rId3">
+            <a:extLst>
+              <a:ext uri="{28A0092B-C50C-407E-A947-70E740481C1C}">
+                <a14:useLocalDpi xmlns:a14="http://schemas.microsoft.com/office/drawing/2010/main" val="0"/>
+              </a:ext>
+            </a:extLst>
+          </a:blip>
+          <a:stretch>
+            <a:fillRect/>
+          </a:stretch>
+        </p:blipFill>
+        <p:spPr>
+          <a:xfrm>
+            <a:off x="1624472" y="1775464"/>
+            <a:ext cx="5995527" cy="4811326"/>
+          </a:xfrm>
+        </p:spPr>
+      </p:pic>
+      <p:sp>
+        <p:nvSpPr>
+          <p:cNvPr id="4" name="Footer Placeholder 4">
+            <a:extLst>
+              <a:ext uri="{FF2B5EF4-FFF2-40B4-BE49-F238E27FC236}">
+                <a16:creationId xmlns:a16="http://schemas.microsoft.com/office/drawing/2014/main" id="{5BC5789F-7017-44D1-94D9-F925BFFC815A}"/>
+              </a:ext>
+            </a:extLst>
+          </p:cNvPr>
+          <p:cNvSpPr>
+            <a:spLocks noGrp="1"/>
+          </p:cNvSpPr>
+          <p:nvPr>
+            <p:ph type="ftr" sz="quarter" idx="11"/>
+          </p:nvPr>
+        </p:nvSpPr>
+        <p:spPr/>
+        <p:txBody>
+          <a:bodyPr/>
+          <a:lstStyle>
+            <a:lvl1pPr>
+              <a:defRPr/>
+            </a:lvl1pPr>
+          </a:lstStyle>
+          <a:p>
+            <a:endParaRPr lang="en-US" dirty="0"/>
+          </a:p>
+        </p:txBody>
+      </p:sp>
+      <p:sp>
+        <p:nvSpPr>
+          <p:cNvPr id="5" name="Slide Number Placeholder 5">
+            <a:extLst>
+              <a:ext uri="{FF2B5EF4-FFF2-40B4-BE49-F238E27FC236}">
+                <a16:creationId xmlns:a16="http://schemas.microsoft.com/office/drawing/2014/main" id="{161CB7FE-4BC2-4768-8C6C-F2EDE3AAC421}"/>
+              </a:ext>
+            </a:extLst>
+          </p:cNvPr>
+          <p:cNvSpPr>
+            <a:spLocks noGrp="1"/>
+          </p:cNvSpPr>
+          <p:nvPr>
+            <p:ph type="sldNum" sz="quarter" idx="12"/>
+          </p:nvPr>
+        </p:nvSpPr>
+        <p:spPr/>
+        <p:txBody>
+          <a:bodyPr/>
+          <a:lstStyle/>
+          <a:p>
+            <a:fld id="{FEA1243F-3000-4347-94A4-FBDEAD3122CB}" type="slidenum">
+              <a:rPr lang="en-US" smtClean="0"/>
+              <a:pPr/>
+              <a:t>10</a:t>
+            </a:fld>
+            <a:endParaRPr lang="en-US"/>
+          </a:p>
+        </p:txBody>
+      </p:sp>
+      <p:sp>
+        <p:nvSpPr>
+          <p:cNvPr id="7" name="TextBox 6">
+            <a:extLst>
+              <a:ext uri="{FF2B5EF4-FFF2-40B4-BE49-F238E27FC236}">
+                <a16:creationId xmlns:a16="http://schemas.microsoft.com/office/drawing/2014/main" id="{8E2B6F78-348D-AB4E-9631-D5FDAA453795}"/>
+              </a:ext>
+            </a:extLst>
+          </p:cNvPr>
+          <p:cNvSpPr txBox="1"/>
+          <p:nvPr/>
+        </p:nvSpPr>
+        <p:spPr>
+          <a:xfrm>
+            <a:off x="609599" y="1151144"/>
+            <a:ext cx="6561667" cy="707886"/>
+          </a:xfrm>
+          <a:prstGeom prst="rect">
+            <a:avLst/>
+          </a:prstGeom>
+          <a:noFill/>
+        </p:spPr>
+        <p:txBody>
+          <a:bodyPr wrap="square" rtlCol="0">
+            <a:spAutoFit/>
+          </a:bodyPr>
+          <a:lstStyle/>
+          <a:p>
+            <a:r>
+              <a:rPr lang="en-US" sz="4000" b="1" dirty="0">
+                <a:ln w="6350">
+                  <a:noFill/>
+                </a:ln>
+                <a:solidFill>
+                  <a:schemeClr val="accent1"/>
+                </a:solidFill>
+                <a:latin typeface="+mj-lt"/>
+                <a:ea typeface="+mj-ea"/>
+                <a:cs typeface="+mj-cs"/>
+              </a:rPr>
+              <a:t>Label Data Selection</a:t>
+            </a:r>
+          </a:p>
+        </p:txBody>
+      </p:sp>
+    </p:spTree>
+    <p:extLst>
+      <p:ext uri="{BB962C8B-B14F-4D97-AF65-F5344CB8AC3E}">
+        <p14:creationId xmlns:p14="http://schemas.microsoft.com/office/powerpoint/2010/main" val="4290446419"/>
+      </p:ext>
+    </p:extLst>
+  </p:cSld>
+  <p:clrMapOvr>
+    <a:masterClrMapping/>
+  </p:clrMapOvr>
+</p:sld>
+</file>
+
 <file path=ppt/slides/slide2.xml><?xml version="1.0" encoding="utf-8"?>
 <p:sld xmlns:a="http://schemas.openxmlformats.org/drawingml/2006/main" xmlns:r="http://schemas.openxmlformats.org/officeDocument/2006/relationships" xmlns:p="http://schemas.openxmlformats.org/presentationml/2006/main">
   <p:cSld>
@@ -4516,7 +4780,7 @@
                   <a:schemeClr val="bg1"/>
                 </a:solidFill>
               </a:rPr>
-              <a:t>False Negative Loss:	$8,509 </a:t>
+              <a:t>False Negative Loss:	$0</a:t>
             </a:r>
           </a:p>
           <a:p>
@@ -4536,7 +4800,7 @@
                   <a:schemeClr val="bg1"/>
                 </a:solidFill>
               </a:rPr>
-              <a:t>Total Gain:</a:t>
+              <a:t>Total Savings:</a:t>
             </a:r>
           </a:p>
           <a:p>
@@ -4546,7 +4810,7 @@
                   <a:schemeClr val="bg1"/>
                 </a:solidFill>
               </a:rPr>
-              <a:t>	$858/case</a:t>
+              <a:t>	$1082/case</a:t>
             </a:r>
           </a:p>
           <a:p>
@@ -4556,7 +4820,23 @@
                   <a:schemeClr val="bg1"/>
                 </a:solidFill>
               </a:rPr>
-              <a:t>	$170M</a:t>
+              <a:t>	</a:t>
+            </a:r>
+            <a:r>
+              <a:rPr lang="en-US" sz="2400">
+                <a:solidFill>
+                  <a:schemeClr val="bg1"/>
+                </a:solidFill>
+              </a:rPr>
+              <a:t>$24M </a:t>
+            </a:r>
+            <a:r>
+              <a:rPr lang="en-US" sz="2400" dirty="0">
+                <a:solidFill>
+                  <a:schemeClr val="bg1"/>
+                </a:solidFill>
+              </a:rPr>
+              <a:t>annually</a:t>
             </a:r>
           </a:p>
           <a:p>
@@ -4838,8 +5118,8 @@
         </p:nvSpPr>
         <p:spPr>
           <a:xfrm>
-            <a:off x="685800" y="1524000"/>
-            <a:ext cx="8458200" cy="3505200"/>
+            <a:off x="685800" y="1877291"/>
+            <a:ext cx="7010400" cy="3505200"/>
           </a:xfrm>
         </p:spPr>
         <p:txBody>
@@ -4884,23 +5164,17 @@
                   <a:schemeClr val="accent1"/>
                 </a:solidFill>
               </a:rPr>
-              <a:t>Run larger scale dataset on </a:t>
-            </a:r>
-            <a:r>
-              <a:rPr lang="en-US" sz="2400" b="1" dirty="0" err="1">
-                <a:solidFill>
-                  <a:schemeClr val="accent1"/>
-                </a:solidFill>
-              </a:rPr>
-              <a:t>aws</a:t>
-            </a:r>
+              <a:t>Incorporate more features if available</a:t>
+            </a:r>
+          </a:p>
+          <a:p>
             <a:r>
               <a:rPr lang="en-US" sz="2400" b="1" dirty="0">
                 <a:solidFill>
                   <a:schemeClr val="accent1"/>
                 </a:solidFill>
               </a:rPr>
-              <a:t> machines</a:t>
+              <a:t>Run larger scale dataset on AWS machines</a:t>
             </a:r>
             <a:endParaRPr lang="en-US" sz="2400" b="1" dirty="0">
               <a:solidFill>
@@ -4910,23 +5184,9 @@
             </a:endParaRPr>
           </a:p>
           <a:p>
-            <a:r>
-              <a:rPr lang="en-US" sz="2400" b="1" dirty="0">
-                <a:solidFill>
-                  <a:schemeClr val="accent1"/>
-                </a:solidFill>
-              </a:rPr>
-              <a:t>Incorporate more features if more resource is available</a:t>
-            </a:r>
-          </a:p>
-          <a:p>
-            <a:endParaRPr lang="en-US" sz="2400" b="1" dirty="0">
-              <a:solidFill>
-                <a:schemeClr val="accent1"/>
-              </a:solidFill>
-            </a:endParaRPr>
-          </a:p>
-          <a:p>
+            <a:pPr marL="64008" indent="0">
+              <a:buNone/>
+            </a:pPr>
             <a:endParaRPr lang="en-US" sz="2400" b="1" dirty="0">
               <a:solidFill>
                 <a:schemeClr val="accent1"/>
@@ -5188,7 +5448,7 @@
         </p:nvSpPr>
         <p:spPr>
           <a:xfrm>
-            <a:off x="457200" y="351838"/>
+            <a:off x="457200" y="367568"/>
             <a:ext cx="4876800" cy="799306"/>
           </a:xfrm>
         </p:spPr>
@@ -5311,8 +5571,8 @@
         </p:nvSpPr>
         <p:spPr>
           <a:xfrm>
-            <a:off x="465667" y="1151144"/>
-            <a:ext cx="6705600" cy="707886"/>
+            <a:off x="457200" y="1181931"/>
+            <a:ext cx="6705600" cy="1323439"/>
           </a:xfrm>
           <a:prstGeom prst="rect">
             <a:avLst/>
@@ -5337,7 +5597,7 @@
                 <a:ea typeface="+mj-ea"/>
                 <a:cs typeface="+mj-cs"/>
               </a:rPr>
-              <a:t>Normalized Confusion Matrix</a:t>
+              <a:t>Normalized Confusion Matrix(GB)</a:t>
             </a:r>
           </a:p>
         </p:txBody>
